--- a/기획서/2022-09-15 회의기록.pptx
+++ b/기획서/2022-09-15 회의기록.pptx
@@ -111,6 +111,11 @@
       </a:defRPr>
     </a:lvl9pPr>
   </p:defaultTextStyle>
+  <p:extLst>
+    <p:ext uri="{EFAFB233-063F-42B5-8137-9DF3F51BA10A}">
+      <p15:sldGuideLst xmlns:p15="http://schemas.microsoft.com/office/powerpoint/2012/main"/>
+    </p:ext>
+  </p:extLst>
 </p:presentation>
 </file>
 
@@ -261,7 +266,7 @@
           <a:p>
             <a:fld id="{5798C781-4BBA-4A0D-B39B-B7CB7AD190E7}" type="datetimeFigureOut">
               <a:rPr lang="ko-KR" altLang="en-US" smtClean="0"/>
-              <a:t>2022-09-15</a:t>
+              <a:t>2022-09-17</a:t>
             </a:fld>
             <a:endParaRPr lang="ko-KR" altLang="en-US"/>
           </a:p>
@@ -459,7 +464,7 @@
           <a:p>
             <a:fld id="{5798C781-4BBA-4A0D-B39B-B7CB7AD190E7}" type="datetimeFigureOut">
               <a:rPr lang="ko-KR" altLang="en-US" smtClean="0"/>
-              <a:t>2022-09-15</a:t>
+              <a:t>2022-09-17</a:t>
             </a:fld>
             <a:endParaRPr lang="ko-KR" altLang="en-US"/>
           </a:p>
@@ -667,7 +672,7 @@
           <a:p>
             <a:fld id="{5798C781-4BBA-4A0D-B39B-B7CB7AD190E7}" type="datetimeFigureOut">
               <a:rPr lang="ko-KR" altLang="en-US" smtClean="0"/>
-              <a:t>2022-09-15</a:t>
+              <a:t>2022-09-17</a:t>
             </a:fld>
             <a:endParaRPr lang="ko-KR" altLang="en-US"/>
           </a:p>
@@ -865,7 +870,7 @@
           <a:p>
             <a:fld id="{5798C781-4BBA-4A0D-B39B-B7CB7AD190E7}" type="datetimeFigureOut">
               <a:rPr lang="ko-KR" altLang="en-US" smtClean="0"/>
-              <a:t>2022-09-15</a:t>
+              <a:t>2022-09-17</a:t>
             </a:fld>
             <a:endParaRPr lang="ko-KR" altLang="en-US"/>
           </a:p>
@@ -1140,7 +1145,7 @@
           <a:p>
             <a:fld id="{5798C781-4BBA-4A0D-B39B-B7CB7AD190E7}" type="datetimeFigureOut">
               <a:rPr lang="ko-KR" altLang="en-US" smtClean="0"/>
-              <a:t>2022-09-15</a:t>
+              <a:t>2022-09-17</a:t>
             </a:fld>
             <a:endParaRPr lang="ko-KR" altLang="en-US"/>
           </a:p>
@@ -1405,7 +1410,7 @@
           <a:p>
             <a:fld id="{5798C781-4BBA-4A0D-B39B-B7CB7AD190E7}" type="datetimeFigureOut">
               <a:rPr lang="ko-KR" altLang="en-US" smtClean="0"/>
-              <a:t>2022-09-15</a:t>
+              <a:t>2022-09-17</a:t>
             </a:fld>
             <a:endParaRPr lang="ko-KR" altLang="en-US"/>
           </a:p>
@@ -1817,7 +1822,7 @@
           <a:p>
             <a:fld id="{5798C781-4BBA-4A0D-B39B-B7CB7AD190E7}" type="datetimeFigureOut">
               <a:rPr lang="ko-KR" altLang="en-US" smtClean="0"/>
-              <a:t>2022-09-15</a:t>
+              <a:t>2022-09-17</a:t>
             </a:fld>
             <a:endParaRPr lang="ko-KR" altLang="en-US"/>
           </a:p>
@@ -1958,7 +1963,7 @@
           <a:p>
             <a:fld id="{5798C781-4BBA-4A0D-B39B-B7CB7AD190E7}" type="datetimeFigureOut">
               <a:rPr lang="ko-KR" altLang="en-US" smtClean="0"/>
-              <a:t>2022-09-15</a:t>
+              <a:t>2022-09-17</a:t>
             </a:fld>
             <a:endParaRPr lang="ko-KR" altLang="en-US"/>
           </a:p>
@@ -2071,7 +2076,7 @@
           <a:p>
             <a:fld id="{5798C781-4BBA-4A0D-B39B-B7CB7AD190E7}" type="datetimeFigureOut">
               <a:rPr lang="ko-KR" altLang="en-US" smtClean="0"/>
-              <a:t>2022-09-15</a:t>
+              <a:t>2022-09-17</a:t>
             </a:fld>
             <a:endParaRPr lang="ko-KR" altLang="en-US"/>
           </a:p>
@@ -2382,7 +2387,7 @@
           <a:p>
             <a:fld id="{5798C781-4BBA-4A0D-B39B-B7CB7AD190E7}" type="datetimeFigureOut">
               <a:rPr lang="ko-KR" altLang="en-US" smtClean="0"/>
-              <a:t>2022-09-15</a:t>
+              <a:t>2022-09-17</a:t>
             </a:fld>
             <a:endParaRPr lang="ko-KR" altLang="en-US"/>
           </a:p>
@@ -2670,7 +2675,7 @@
           <a:p>
             <a:fld id="{5798C781-4BBA-4A0D-B39B-B7CB7AD190E7}" type="datetimeFigureOut">
               <a:rPr lang="ko-KR" altLang="en-US" smtClean="0"/>
-              <a:t>2022-09-15</a:t>
+              <a:t>2022-09-17</a:t>
             </a:fld>
             <a:endParaRPr lang="ko-KR" altLang="en-US"/>
           </a:p>
@@ -2911,7 +2916,7 @@
           <a:p>
             <a:fld id="{5798C781-4BBA-4A0D-B39B-B7CB7AD190E7}" type="datetimeFigureOut">
               <a:rPr lang="ko-KR" altLang="en-US" smtClean="0"/>
-              <a:t>2022-09-15</a:t>
+              <a:t>2022-09-17</a:t>
             </a:fld>
             <a:endParaRPr lang="ko-KR" altLang="en-US"/>
           </a:p>
@@ -3475,7 +3480,7 @@
         <p:spPr/>
         <p:txBody>
           <a:bodyPr>
-            <a:normAutofit lnSpcReduction="10000"/>
+            <a:normAutofit fontScale="92500"/>
           </a:bodyPr>
           <a:lstStyle/>
           <a:p>
@@ -3509,7 +3514,35 @@
             </a:r>
             <a:r>
               <a:rPr lang="ko-KR" altLang="en-US" dirty="0"/>
-              <a:t> 화면밖으로 이동되는 순간 플레이어 위치에 둥근 장판이 생기며 </a:t>
+              <a:t> 화면밖으로 이동되며 그 순간 플레이어 위치에 둥근 장판</a:t>
+            </a:r>
+            <a:r>
+              <a:rPr lang="en-US" altLang="ko-KR" dirty="0"/>
+              <a:t>(</a:t>
+            </a:r>
+            <a:r>
+              <a:rPr lang="ko-KR" altLang="en-US" dirty="0" err="1">
+                <a:solidFill>
+                  <a:srgbClr val="FF0000"/>
+                </a:solidFill>
+              </a:rPr>
+              <a:t>무슨색</a:t>
+            </a:r>
+            <a:r>
+              <a:rPr lang="en-US" altLang="ko-KR" dirty="0">
+                <a:solidFill>
+                  <a:srgbClr val="FF0000"/>
+                </a:solidFill>
+              </a:rPr>
+              <a:t>?</a:t>
+            </a:r>
+            <a:r>
+              <a:rPr lang="en-US" altLang="ko-KR" dirty="0"/>
+              <a:t>)</a:t>
+            </a:r>
+            <a:r>
+              <a:rPr lang="ko-KR" altLang="en-US" dirty="0"/>
+              <a:t>이 생기며 </a:t>
             </a:r>
             <a:r>
               <a:rPr lang="en-US" altLang="ko-KR" dirty="0"/>
